--- a/proyecto/Plantillas/ED2-Plantilla-Eafit - Habladores Vr 1.0.pptx
+++ b/proyecto/Plantillas/ED2-Plantilla-Eafit - Habladores Vr 1.0.pptx
@@ -4383,7 +4383,7 @@
               </a:lnSpc>
             </a:pPr>
             <a:r>
-              <a:rPr lang="en-US" sz="4000" b="1" i="1" strike="noStrike" spc="-1" dirty="0" err="1">
+              <a:rPr lang="en-US" sz="4000" b="1" i="1" strike="noStrike" spc="-1" dirty="0" err="1" smtClean="0">
                 <a:solidFill>
                   <a:srgbClr val="333F4F"/>
                 </a:solidFill>
@@ -4398,7 +4398,7 @@
               <a:t>Título</a:t>
             </a:r>
             <a:r>
-              <a:rPr lang="en-US" sz="4000" b="1" i="1" strike="noStrike" spc="-1" dirty="0">
+              <a:rPr lang="en-US" sz="4000" b="1" i="1" strike="noStrike" spc="-1" dirty="0" smtClean="0">
                 <a:solidFill>
                   <a:srgbClr val="333F4F"/>
                 </a:solidFill>
@@ -4443,7 +4443,7 @@
               <a:t>el </a:t>
             </a:r>
             <a:r>
-              <a:rPr lang="en-US" sz="4000" b="1" i="1" strike="noStrike" spc="-1" dirty="0" err="1">
+              <a:rPr lang="en-US" sz="4000" b="1" i="1" strike="noStrike" spc="-1" dirty="0" err="1" smtClean="0">
                 <a:solidFill>
                   <a:srgbClr val="333F4F"/>
                 </a:solidFill>
@@ -4458,7 +4458,7 @@
               <a:t>informe</a:t>
             </a:r>
             <a:r>
-              <a:rPr lang="en-US" sz="4000" b="1" i="1" strike="noStrike" spc="-1" dirty="0">
+              <a:rPr lang="en-US" sz="4000" b="1" i="1" strike="noStrike" spc="-1" dirty="0" smtClean="0">
                 <a:solidFill>
                   <a:srgbClr val="333F4F"/>
                 </a:solidFill>
@@ -4470,24 +4470,9 @@
                 <a:latin typeface="+mj-lt"/>
                 <a:ea typeface="DejaVu Sans"/>
               </a:rPr>
-              <a:t> </a:t>
-            </a:r>
-            <a:r>
-              <a:rPr lang="en-US" sz="4000" b="1" i="1" strike="noStrike" spc="-1" dirty="0" smtClean="0">
-                <a:solidFill>
-                  <a:srgbClr val="333F4F"/>
-                </a:solidFill>
-                <a:uFill>
-                  <a:solidFill>
-                    <a:srgbClr val="FFFFFF"/>
-                  </a:solidFill>
-                </a:uFill>
-                <a:latin typeface="+mj-lt"/>
-                <a:ea typeface="DejaVu Sans"/>
-              </a:rPr>
-              <a:t>PDF</a:t>
-            </a:r>
-            <a:endParaRPr lang="en-US" sz="1800" b="1" strike="noStrike" spc="-1" dirty="0">
+              <a:t> PDF</a:t>
+            </a:r>
+            <a:endParaRPr lang="en-US" sz="1800" b="1" strike="noStrike" spc="-1" dirty="0" smtClean="0">
               <a:solidFill>
                 <a:srgbClr val="000000"/>
               </a:solidFill>
@@ -4899,52 +4884,6 @@
       </p:sp>
       <p:sp>
         <p:nvSpPr>
-          <p:cNvPr id="2" name="Rectángulo 1"/>
-          <p:cNvSpPr/>
-          <p:nvPr/>
-        </p:nvSpPr>
-        <p:spPr>
-          <a:xfrm>
-            <a:off x="1690255" y="1676395"/>
-            <a:ext cx="6179127" cy="1011382"/>
-          </a:xfrm>
-          <a:prstGeom prst="rect">
-            <a:avLst/>
-          </a:prstGeom>
-          <a:noFill/>
-          <a:ln w="76200">
-            <a:solidFill>
-              <a:srgbClr val="FF0000"/>
-            </a:solidFill>
-          </a:ln>
-        </p:spPr>
-        <p:style>
-          <a:lnRef idx="2">
-            <a:schemeClr val="accent1">
-              <a:shade val="50000"/>
-            </a:schemeClr>
-          </a:lnRef>
-          <a:fillRef idx="1">
-            <a:schemeClr val="accent1"/>
-          </a:fillRef>
-          <a:effectRef idx="0">
-            <a:schemeClr val="accent1"/>
-          </a:effectRef>
-          <a:fontRef idx="minor">
-            <a:schemeClr val="lt1"/>
-          </a:fontRef>
-        </p:style>
-        <p:txBody>
-          <a:bodyPr rtlCol="0" anchor="ctr"/>
-          <a:lstStyle/>
-          <a:p>
-            <a:pPr algn="ctr"/>
-            <a:endParaRPr lang="es-CO"/>
-          </a:p>
-        </p:txBody>
-      </p:sp>
-      <p:sp>
-        <p:nvSpPr>
           <p:cNvPr id="4" name="CuadroTexto 3"/>
           <p:cNvSpPr txBox="1"/>
           <p:nvPr/>
@@ -4979,88 +4918,6 @@
                 <a:srgbClr val="FF0000"/>
               </a:solidFill>
             </a:endParaRPr>
-          </a:p>
-        </p:txBody>
-      </p:sp>
-      <p:cxnSp>
-        <p:nvCxnSpPr>
-          <p:cNvPr id="6" name="Conector recto de flecha 5"/>
-          <p:cNvCxnSpPr/>
-          <p:nvPr/>
-        </p:nvCxnSpPr>
-        <p:spPr>
-          <a:xfrm flipV="1">
-            <a:off x="4985056" y="1286385"/>
-            <a:ext cx="448504" cy="390010"/>
-          </a:xfrm>
-          <a:prstGeom prst="straightConnector1">
-            <a:avLst/>
-          </a:prstGeom>
-          <a:ln w="76200">
-            <a:solidFill>
-              <a:srgbClr val="FF0000"/>
-            </a:solidFill>
-            <a:tailEnd type="triangle"/>
-          </a:ln>
-        </p:spPr>
-        <p:style>
-          <a:lnRef idx="1">
-            <a:schemeClr val="accent1"/>
-          </a:lnRef>
-          <a:fillRef idx="0">
-            <a:schemeClr val="accent1"/>
-          </a:fillRef>
-          <a:effectRef idx="0">
-            <a:schemeClr val="accent1"/>
-          </a:effectRef>
-          <a:fontRef idx="minor">
-            <a:schemeClr val="tx1"/>
-          </a:fontRef>
-        </p:style>
-      </p:cxnSp>
-      <p:sp>
-        <p:nvSpPr>
-          <p:cNvPr id="9" name="Rectángulo 8"/>
-          <p:cNvSpPr/>
-          <p:nvPr/>
-        </p:nvSpPr>
-        <p:spPr>
-          <a:xfrm>
-            <a:off x="1690255" y="2983021"/>
-            <a:ext cx="6179127" cy="1801230"/>
-          </a:xfrm>
-          <a:prstGeom prst="rect">
-            <a:avLst/>
-          </a:prstGeom>
-          <a:noFill/>
-          <a:ln w="76200">
-            <a:solidFill>
-              <a:srgbClr val="FF0000"/>
-            </a:solidFill>
-          </a:ln>
-        </p:spPr>
-        <p:style>
-          <a:lnRef idx="2">
-            <a:schemeClr val="accent1">
-              <a:shade val="50000"/>
-            </a:schemeClr>
-          </a:lnRef>
-          <a:fillRef idx="1">
-            <a:schemeClr val="accent1"/>
-          </a:fillRef>
-          <a:effectRef idx="0">
-            <a:schemeClr val="accent1"/>
-          </a:effectRef>
-          <a:fontRef idx="minor">
-            <a:schemeClr val="lt1"/>
-          </a:fontRef>
-        </p:style>
-        <p:txBody>
-          <a:bodyPr rtlCol="0" anchor="ctr"/>
-          <a:lstStyle/>
-          <a:p>
-            <a:pPr algn="ctr"/>
-            <a:endParaRPr lang="es-CO"/>
           </a:p>
         </p:txBody>
       </p:sp>
